--- a/mp4/babyviewbaby_instructionvideo.pptx
+++ b/mp4/babyviewbaby_instructionvideo.pptx
@@ -5,10 +5,12 @@
     <p:sldMasterId id="2147483648" r:id="rId1"/>
   </p:sldMasterIdLst>
   <p:notesMasterIdLst>
-    <p:notesMasterId r:id="rId3"/>
+    <p:notesMasterId r:id="rId5"/>
   </p:notesMasterIdLst>
   <p:sldIdLst>
     <p:sldId id="257" r:id="rId2"/>
+    <p:sldId id="258" r:id="rId3"/>
+    <p:sldId id="259" r:id="rId4"/>
   </p:sldIdLst>
   <p:sldSz cx="12192000" cy="6858000"/>
   <p:notesSz cx="6858000" cy="9144000"/>
@@ -197,7 +199,7 @@
           <a:p>
             <a:fld id="{1D31783A-BCE9-2C41-8B54-A83B86585E8F}" type="datetimeFigureOut">
               <a:rPr lang="en-US" smtClean="0"/>
-              <a:t>3/7/25</a:t>
+              <a:t>3/12/25</a:t>
             </a:fld>
             <a:endParaRPr lang="en-US"/>
           </a:p>
@@ -491,7 +493,12 @@
             <p:ph type="sldImg"/>
           </p:nvPr>
         </p:nvSpPr>
-        <p:spPr/>
+        <p:spPr>
+          <a:xfrm>
+            <a:off x="685800" y="1143000"/>
+            <a:ext cx="5486400" cy="3086100"/>
+          </a:xfrm>
+        </p:spPr>
       </p:sp>
       <p:sp>
         <p:nvSpPr>
@@ -746,7 +753,7 @@
           <a:p>
             <a:fld id="{CBFE3F9F-8E86-E946-A8BB-17CFF365E0FA}" type="datetimeFigureOut">
               <a:rPr lang="en-US" smtClean="0"/>
-              <a:t>3/7/25</a:t>
+              <a:t>3/12/25</a:t>
             </a:fld>
             <a:endParaRPr lang="en-US"/>
           </a:p>
@@ -944,7 +951,7 @@
           <a:p>
             <a:fld id="{CBFE3F9F-8E86-E946-A8BB-17CFF365E0FA}" type="datetimeFigureOut">
               <a:rPr lang="en-US" smtClean="0"/>
-              <a:t>3/7/25</a:t>
+              <a:t>3/12/25</a:t>
             </a:fld>
             <a:endParaRPr lang="en-US"/>
           </a:p>
@@ -1052,7 +1059,7 @@
         </p:nvSpPr>
         <p:spPr>
           <a:xfrm>
-            <a:off x="8724900" y="365125"/>
+            <a:off x="8724899" y="365125"/>
             <a:ext cx="2628900" cy="5811838"/>
           </a:xfrm>
         </p:spPr>
@@ -1085,7 +1092,7 @@
         </p:nvSpPr>
         <p:spPr>
           <a:xfrm>
-            <a:off x="838200" y="365125"/>
+            <a:off x="838199" y="365125"/>
             <a:ext cx="7734300" cy="5811838"/>
           </a:xfrm>
         </p:spPr>
@@ -1152,7 +1159,7 @@
           <a:p>
             <a:fld id="{CBFE3F9F-8E86-E946-A8BB-17CFF365E0FA}" type="datetimeFigureOut">
               <a:rPr lang="en-US" smtClean="0"/>
-              <a:t>3/7/25</a:t>
+              <a:t>3/12/25</a:t>
             </a:fld>
             <a:endParaRPr lang="en-US"/>
           </a:p>
@@ -1350,7 +1357,7 @@
           <a:p>
             <a:fld id="{CBFE3F9F-8E86-E946-A8BB-17CFF365E0FA}" type="datetimeFigureOut">
               <a:rPr lang="en-US" smtClean="0"/>
-              <a:t>3/7/25</a:t>
+              <a:t>3/12/25</a:t>
             </a:fld>
             <a:endParaRPr lang="en-US"/>
           </a:p>
@@ -1458,7 +1465,7 @@
         </p:nvSpPr>
         <p:spPr>
           <a:xfrm>
-            <a:off x="831850" y="1709738"/>
+            <a:off x="831852" y="1709738"/>
             <a:ext cx="10515600" cy="2852737"/>
           </a:xfrm>
         </p:spPr>
@@ -1495,7 +1502,7 @@
         </p:nvSpPr>
         <p:spPr>
           <a:xfrm>
-            <a:off x="831850" y="4589463"/>
+            <a:off x="831852" y="4589464"/>
             <a:ext cx="10515600" cy="1500187"/>
           </a:xfrm>
         </p:spPr>
@@ -1625,7 +1632,7 @@
           <a:p>
             <a:fld id="{CBFE3F9F-8E86-E946-A8BB-17CFF365E0FA}" type="datetimeFigureOut">
               <a:rPr lang="en-US" smtClean="0"/>
-              <a:t>3/7/25</a:t>
+              <a:t>3/12/25</a:t>
             </a:fld>
             <a:endParaRPr lang="en-US"/>
           </a:p>
@@ -1761,7 +1768,7 @@
         </p:nvSpPr>
         <p:spPr>
           <a:xfrm>
-            <a:off x="838200" y="1825625"/>
+            <a:off x="838201" y="1825625"/>
             <a:ext cx="5181600" cy="4351338"/>
           </a:xfrm>
         </p:spPr>
@@ -1823,7 +1830,7 @@
         </p:nvSpPr>
         <p:spPr>
           <a:xfrm>
-            <a:off x="6172200" y="1825625"/>
+            <a:off x="6172201" y="1825625"/>
             <a:ext cx="5181600" cy="4351338"/>
           </a:xfrm>
         </p:spPr>
@@ -1890,7 +1897,7 @@
           <a:p>
             <a:fld id="{CBFE3F9F-8E86-E946-A8BB-17CFF365E0FA}" type="datetimeFigureOut">
               <a:rPr lang="en-US" smtClean="0"/>
-              <a:t>3/7/25</a:t>
+              <a:t>3/12/25</a:t>
             </a:fld>
             <a:endParaRPr lang="en-US"/>
           </a:p>
@@ -1998,7 +2005,7 @@
         </p:nvSpPr>
         <p:spPr>
           <a:xfrm>
-            <a:off x="839788" y="365125"/>
+            <a:off x="839789" y="365125"/>
             <a:ext cx="10515600" cy="1325563"/>
           </a:xfrm>
         </p:spPr>
@@ -2031,7 +2038,7 @@
         </p:nvSpPr>
         <p:spPr>
           <a:xfrm>
-            <a:off x="839788" y="1681163"/>
+            <a:off x="839789" y="1681163"/>
             <a:ext cx="5157787" cy="823912"/>
           </a:xfrm>
         </p:spPr>
@@ -2102,7 +2109,7 @@
         </p:nvSpPr>
         <p:spPr>
           <a:xfrm>
-            <a:off x="839788" y="2505075"/>
+            <a:off x="839789" y="2505076"/>
             <a:ext cx="5157787" cy="3684588"/>
           </a:xfrm>
         </p:spPr>
@@ -2164,7 +2171,7 @@
         </p:nvSpPr>
         <p:spPr>
           <a:xfrm>
-            <a:off x="6172200" y="1681163"/>
+            <a:off x="6172202" y="1681163"/>
             <a:ext cx="5183188" cy="823912"/>
           </a:xfrm>
         </p:spPr>
@@ -2235,7 +2242,7 @@
         </p:nvSpPr>
         <p:spPr>
           <a:xfrm>
-            <a:off x="6172200" y="2505075"/>
+            <a:off x="6172202" y="2505076"/>
             <a:ext cx="5183188" cy="3684588"/>
           </a:xfrm>
         </p:spPr>
@@ -2302,7 +2309,7 @@
           <a:p>
             <a:fld id="{CBFE3F9F-8E86-E946-A8BB-17CFF365E0FA}" type="datetimeFigureOut">
               <a:rPr lang="en-US" smtClean="0"/>
-              <a:t>3/7/25</a:t>
+              <a:t>3/12/25</a:t>
             </a:fld>
             <a:endParaRPr lang="en-US"/>
           </a:p>
@@ -2443,7 +2450,7 @@
           <a:p>
             <a:fld id="{CBFE3F9F-8E86-E946-A8BB-17CFF365E0FA}" type="datetimeFigureOut">
               <a:rPr lang="en-US" smtClean="0"/>
-              <a:t>3/7/25</a:t>
+              <a:t>3/12/25</a:t>
             </a:fld>
             <a:endParaRPr lang="en-US"/>
           </a:p>
@@ -2556,7 +2563,7 @@
           <a:p>
             <a:fld id="{CBFE3F9F-8E86-E946-A8BB-17CFF365E0FA}" type="datetimeFigureOut">
               <a:rPr lang="en-US" smtClean="0"/>
-              <a:t>3/7/25</a:t>
+              <a:t>3/12/25</a:t>
             </a:fld>
             <a:endParaRPr lang="en-US"/>
           </a:p>
@@ -2664,8 +2671,8 @@
         </p:nvSpPr>
         <p:spPr>
           <a:xfrm>
-            <a:off x="839788" y="457200"/>
-            <a:ext cx="3932237" cy="1600200"/>
+            <a:off x="839790" y="457200"/>
+            <a:ext cx="3932236" cy="1600200"/>
           </a:xfrm>
         </p:spPr>
         <p:txBody>
@@ -2702,7 +2709,7 @@
         <p:spPr>
           <a:xfrm>
             <a:off x="5183188" y="987425"/>
-            <a:ext cx="6172200" cy="4873625"/>
+            <a:ext cx="6172201" cy="4873625"/>
           </a:xfrm>
         </p:spPr>
         <p:txBody>
@@ -2791,8 +2798,8 @@
         </p:nvSpPr>
         <p:spPr>
           <a:xfrm>
-            <a:off x="839788" y="2057400"/>
-            <a:ext cx="3932237" cy="3811588"/>
+            <a:off x="839790" y="2057400"/>
+            <a:ext cx="3932236" cy="3811588"/>
           </a:xfrm>
         </p:spPr>
         <p:txBody>
@@ -2867,7 +2874,7 @@
           <a:p>
             <a:fld id="{CBFE3F9F-8E86-E946-A8BB-17CFF365E0FA}" type="datetimeFigureOut">
               <a:rPr lang="en-US" smtClean="0"/>
-              <a:t>3/7/25</a:t>
+              <a:t>3/12/25</a:t>
             </a:fld>
             <a:endParaRPr lang="en-US"/>
           </a:p>
@@ -2975,8 +2982,8 @@
         </p:nvSpPr>
         <p:spPr>
           <a:xfrm>
-            <a:off x="839788" y="457200"/>
-            <a:ext cx="3932237" cy="1600200"/>
+            <a:off x="839790" y="457200"/>
+            <a:ext cx="3932236" cy="1600200"/>
           </a:xfrm>
         </p:spPr>
         <p:txBody>
@@ -3013,7 +3020,7 @@
         <p:spPr>
           <a:xfrm>
             <a:off x="5183188" y="987425"/>
-            <a:ext cx="6172200" cy="4873625"/>
+            <a:ext cx="6172201" cy="4873625"/>
           </a:xfrm>
         </p:spPr>
         <p:txBody>
@@ -3079,8 +3086,8 @@
         </p:nvSpPr>
         <p:spPr>
           <a:xfrm>
-            <a:off x="839788" y="2057400"/>
-            <a:ext cx="3932237" cy="3811588"/>
+            <a:off x="839790" y="2057400"/>
+            <a:ext cx="3932236" cy="3811588"/>
           </a:xfrm>
         </p:spPr>
         <p:txBody>
@@ -3155,7 +3162,7 @@
           <a:p>
             <a:fld id="{CBFE3F9F-8E86-E946-A8BB-17CFF365E0FA}" type="datetimeFigureOut">
               <a:rPr lang="en-US" smtClean="0"/>
-              <a:t>3/7/25</a:t>
+              <a:t>3/12/25</a:t>
             </a:fld>
             <a:endParaRPr lang="en-US"/>
           </a:p>
@@ -3268,7 +3275,7 @@
         </p:nvSpPr>
         <p:spPr>
           <a:xfrm>
-            <a:off x="838200" y="365125"/>
+            <a:off x="838202" y="365125"/>
             <a:ext cx="10515600" cy="1325563"/>
           </a:xfrm>
           <a:prstGeom prst="rect">
@@ -3306,7 +3313,7 @@
         </p:nvSpPr>
         <p:spPr>
           <a:xfrm>
-            <a:off x="838200" y="1825625"/>
+            <a:off x="838202" y="1825625"/>
             <a:ext cx="10515600" cy="4351338"/>
           </a:xfrm>
           <a:prstGeom prst="rect">
@@ -3373,7 +3380,7 @@
         </p:nvSpPr>
         <p:spPr>
           <a:xfrm>
-            <a:off x="838200" y="6356350"/>
+            <a:off x="838199" y="6356351"/>
             <a:ext cx="2743200" cy="365125"/>
           </a:xfrm>
           <a:prstGeom prst="rect">
@@ -3396,7 +3403,7 @@
           <a:p>
             <a:fld id="{CBFE3F9F-8E86-E946-A8BB-17CFF365E0FA}" type="datetimeFigureOut">
               <a:rPr lang="en-US" smtClean="0"/>
-              <a:t>3/7/25</a:t>
+              <a:t>3/12/25</a:t>
             </a:fld>
             <a:endParaRPr lang="en-US"/>
           </a:p>
@@ -3420,7 +3427,7 @@
         </p:nvSpPr>
         <p:spPr>
           <a:xfrm>
-            <a:off x="4038600" y="6356350"/>
+            <a:off x="4038602" y="6356351"/>
             <a:ext cx="4114800" cy="365125"/>
           </a:xfrm>
           <a:prstGeom prst="rect">
@@ -3463,7 +3470,7 @@
         </p:nvSpPr>
         <p:spPr>
           <a:xfrm>
-            <a:off x="8610600" y="6356350"/>
+            <a:off x="8610601" y="6356351"/>
             <a:ext cx="2743200" cy="365125"/>
           </a:xfrm>
           <a:prstGeom prst="rect">
@@ -3887,7 +3894,7 @@
         </p:blipFill>
         <p:spPr bwMode="auto">
           <a:xfrm>
-            <a:off x="5925980" y="0"/>
+            <a:off x="5925982" y="2"/>
             <a:ext cx="1538163" cy="1538163"/>
           </a:xfrm>
           <a:prstGeom prst="rect">
@@ -4141,7 +4148,7 @@
         </p:nvSpPr>
         <p:spPr>
           <a:xfrm>
-            <a:off x="6937827" y="4741232"/>
+            <a:off x="6937829" y="4741234"/>
             <a:ext cx="4338725" cy="461665"/>
           </a:xfrm>
           <a:prstGeom prst="rect">
@@ -4192,7 +4199,7 @@
         </p:blipFill>
         <p:spPr bwMode="auto">
           <a:xfrm>
-            <a:off x="6937827" y="1227187"/>
+            <a:off x="6937829" y="1227189"/>
             <a:ext cx="4338725" cy="3369291"/>
           </a:xfrm>
           <a:prstGeom prst="rect">
@@ -4239,7 +4246,7 @@
         </p:blipFill>
         <p:spPr bwMode="auto">
           <a:xfrm>
-            <a:off x="7464143" y="1488760"/>
+            <a:off x="7464143" y="1488762"/>
             <a:ext cx="3286092" cy="1848427"/>
           </a:xfrm>
           <a:prstGeom prst="rect">
@@ -4286,7 +4293,7 @@
         </p:blipFill>
         <p:spPr bwMode="auto">
           <a:xfrm>
-            <a:off x="8113982" y="-370078"/>
+            <a:off x="8113984" y="-370077"/>
             <a:ext cx="1992559" cy="1992559"/>
           </a:xfrm>
           <a:prstGeom prst="rect">
@@ -4318,7 +4325,7 @@
         </p:nvSpPr>
         <p:spPr>
           <a:xfrm rot="16200000">
-            <a:off x="5698300" y="254692"/>
+            <a:off x="5698300" y="254694"/>
             <a:ext cx="735730" cy="10420779"/>
           </a:xfrm>
           <a:prstGeom prst="leftBrace">
@@ -4367,7 +4374,7 @@
         </p:nvSpPr>
         <p:spPr>
           <a:xfrm>
-            <a:off x="4474546" y="5838043"/>
+            <a:off x="4474548" y="5838045"/>
             <a:ext cx="3747255" cy="830997"/>
           </a:xfrm>
           <a:prstGeom prst="rect">
@@ -4444,7 +4451,7 @@
         </p:blipFill>
         <p:spPr bwMode="auto">
           <a:xfrm>
-            <a:off x="4147964" y="5870753"/>
+            <a:off x="4147966" y="5870755"/>
             <a:ext cx="765575" cy="765575"/>
           </a:xfrm>
           <a:prstGeom prst="rect">
@@ -4548,11 +4555,11 @@
   <p:clrMapOvr>
     <a:masterClrMapping/>
   </p:clrMapOvr>
-  <mc:AlternateContent xmlns:mc="http://schemas.openxmlformats.org/markup-compatibility/2006">
-    <mc:Choice xmlns:p14="http://schemas.microsoft.com/office/powerpoint/2010/main" Requires="p14">
+  <mc:AlternateContent xmlns:mc="http://schemas.openxmlformats.org/markup-compatibility/2006" xmlns:p14="http://schemas.microsoft.com/office/powerpoint/2010/main">
+    <mc:Choice Requires="p14">
       <p:transition spd="slow" p14:dur="2000" advTm="61968"/>
     </mc:Choice>
-    <mc:Fallback>
+    <mc:Fallback xmlns="">
       <p:transition spd="slow" advTm="61968"/>
     </mc:Fallback>
   </mc:AlternateContent>
@@ -5552,6 +5559,856 @@
 </p:sld>
 </file>
 
+<file path=ppt/slides/slide2.xml><?xml version="1.0" encoding="utf-8"?>
+<p:sld xmlns:a="http://schemas.openxmlformats.org/drawingml/2006/main" xmlns:r="http://schemas.openxmlformats.org/officeDocument/2006/relationships" xmlns:p="http://schemas.openxmlformats.org/presentationml/2006/main">
+  <p:cSld>
+    <p:spTree>
+      <p:nvGrpSpPr>
+        <p:cNvPr id="1" name=""/>
+        <p:cNvGrpSpPr/>
+        <p:nvPr/>
+      </p:nvGrpSpPr>
+      <p:grpSpPr>
+        <a:xfrm>
+          <a:off x="0" y="0"/>
+          <a:ext cx="0" cy="0"/>
+          <a:chOff x="0" y="0"/>
+          <a:chExt cx="0" cy="0"/>
+        </a:xfrm>
+      </p:grpSpPr>
+      <p:grpSp>
+        <p:nvGrpSpPr>
+          <p:cNvPr id="21" name="Group 20">
+            <a:extLst>
+              <a:ext uri="{FF2B5EF4-FFF2-40B4-BE49-F238E27FC236}">
+                <a16:creationId xmlns:a16="http://schemas.microsoft.com/office/drawing/2014/main" id="{ADC1E7FA-6056-7AAA-7CA0-28CE4B4CEDE6}"/>
+              </a:ext>
+            </a:extLst>
+          </p:cNvPr>
+          <p:cNvGrpSpPr/>
+          <p:nvPr/>
+        </p:nvGrpSpPr>
+        <p:grpSpPr>
+          <a:xfrm>
+            <a:off x="0" y="0"/>
+            <a:ext cx="12192000" cy="6858000"/>
+            <a:chOff x="0" y="0"/>
+            <a:chExt cx="12192000" cy="6858000"/>
+          </a:xfrm>
+        </p:grpSpPr>
+        <p:sp>
+          <p:nvSpPr>
+            <p:cNvPr id="20" name="Rectangle 19">
+              <a:extLst>
+                <a:ext uri="{FF2B5EF4-FFF2-40B4-BE49-F238E27FC236}">
+                  <a16:creationId xmlns:a16="http://schemas.microsoft.com/office/drawing/2014/main" id="{6A859FBF-EC2C-2D2D-0C10-3D7469093643}"/>
+                </a:ext>
+              </a:extLst>
+            </p:cNvPr>
+            <p:cNvSpPr/>
+            <p:nvPr/>
+          </p:nvSpPr>
+          <p:spPr>
+            <a:xfrm>
+              <a:off x="0" y="0"/>
+              <a:ext cx="12192000" cy="6858000"/>
+            </a:xfrm>
+            <a:prstGeom prst="rect">
+              <a:avLst/>
+            </a:prstGeom>
+            <a:solidFill>
+              <a:schemeClr val="bg1"/>
+            </a:solidFill>
+          </p:spPr>
+          <p:style>
+            <a:lnRef idx="2">
+              <a:schemeClr val="accent1">
+                <a:shade val="15000"/>
+              </a:schemeClr>
+            </a:lnRef>
+            <a:fillRef idx="1">
+              <a:schemeClr val="accent1"/>
+            </a:fillRef>
+            <a:effectRef idx="0">
+              <a:schemeClr val="accent1"/>
+            </a:effectRef>
+            <a:fontRef idx="minor">
+              <a:schemeClr val="lt1"/>
+            </a:fontRef>
+          </p:style>
+          <p:txBody>
+            <a:bodyPr rtlCol="0" anchor="ctr"/>
+            <a:lstStyle/>
+            <a:p>
+              <a:pPr algn="ctr"/>
+              <a:endParaRPr lang="en-US"/>
+            </a:p>
+          </p:txBody>
+        </p:sp>
+        <p:pic>
+          <p:nvPicPr>
+            <p:cNvPr id="5" name="Picture 4" descr="A screenshot of a phone&#10;&#10;AI-generated content may be incorrect.">
+              <a:extLst>
+                <a:ext uri="{FF2B5EF4-FFF2-40B4-BE49-F238E27FC236}">
+                  <a16:creationId xmlns:a16="http://schemas.microsoft.com/office/drawing/2014/main" id="{811B05FB-7779-01F9-7070-8BC976887A44}"/>
+                </a:ext>
+              </a:extLst>
+            </p:cNvPr>
+            <p:cNvPicPr>
+              <a:picLocks noChangeAspect="1"/>
+            </p:cNvPicPr>
+            <p:nvPr/>
+          </p:nvPicPr>
+          <p:blipFill>
+            <a:blip r:embed="rId2"/>
+            <a:stretch>
+              <a:fillRect/>
+            </a:stretch>
+          </p:blipFill>
+          <p:spPr>
+            <a:xfrm>
+              <a:off x="6687106" y="762922"/>
+              <a:ext cx="2554116" cy="3498657"/>
+            </a:xfrm>
+            <a:prstGeom prst="rect">
+              <a:avLst/>
+            </a:prstGeom>
+          </p:spPr>
+        </p:pic>
+        <p:pic>
+          <p:nvPicPr>
+            <p:cNvPr id="7" name="Picture 6" descr="A screenshot of a video chat&#10;&#10;AI-generated content may be incorrect.">
+              <a:extLst>
+                <a:ext uri="{FF2B5EF4-FFF2-40B4-BE49-F238E27FC236}">
+                  <a16:creationId xmlns:a16="http://schemas.microsoft.com/office/drawing/2014/main" id="{D36E4E8A-DEC5-9613-7948-DDD7EC2CDADD}"/>
+                </a:ext>
+              </a:extLst>
+            </p:cNvPr>
+            <p:cNvPicPr>
+              <a:picLocks noChangeAspect="1"/>
+            </p:cNvPicPr>
+            <p:nvPr/>
+          </p:nvPicPr>
+          <p:blipFill>
+            <a:blip r:embed="rId3"/>
+            <a:stretch>
+              <a:fillRect/>
+            </a:stretch>
+          </p:blipFill>
+          <p:spPr>
+            <a:xfrm>
+              <a:off x="1986403" y="1817403"/>
+              <a:ext cx="4519448" cy="1881248"/>
+            </a:xfrm>
+            <a:prstGeom prst="rect">
+              <a:avLst/>
+            </a:prstGeom>
+          </p:spPr>
+        </p:pic>
+        <p:sp>
+          <p:nvSpPr>
+            <p:cNvPr id="12" name="TextBox 11">
+              <a:extLst>
+                <a:ext uri="{FF2B5EF4-FFF2-40B4-BE49-F238E27FC236}">
+                  <a16:creationId xmlns:a16="http://schemas.microsoft.com/office/drawing/2014/main" id="{715B55EC-38D8-7B06-C165-C1997F39B696}"/>
+                </a:ext>
+              </a:extLst>
+            </p:cNvPr>
+            <p:cNvSpPr txBox="1"/>
+            <p:nvPr/>
+          </p:nvSpPr>
+          <p:spPr>
+            <a:xfrm>
+              <a:off x="814551" y="4525418"/>
+              <a:ext cx="10978056" cy="1569660"/>
+            </a:xfrm>
+            <a:prstGeom prst="rect">
+              <a:avLst/>
+            </a:prstGeom>
+            <a:noFill/>
+          </p:spPr>
+          <p:txBody>
+            <a:bodyPr wrap="square" rtlCol="0">
+              <a:spAutoFit/>
+            </a:bodyPr>
+            <a:lstStyle/>
+            <a:p>
+              <a:pPr algn="ctr"/>
+              <a:r>
+                <a:rPr lang="en-US" sz="2400" b="1" dirty="0"/>
+                <a:t>On the next page, </a:t>
+              </a:r>
+              <a:r>
+                <a:rPr lang="en-US" sz="2400" b="1" u="sng" dirty="0"/>
+                <a:t>you’ll be asked to approve the use of your camera!</a:t>
+              </a:r>
+              <a:br>
+                <a:rPr lang="en-US" sz="2400" b="1" dirty="0"/>
+              </a:br>
+              <a:br>
+                <a:rPr lang="en-US" sz="1200" b="1" dirty="0"/>
+              </a:br>
+              <a:r>
+                <a:rPr lang="en-US" sz="2400" b="1" u="sng" dirty="0"/>
+                <a:t>Please press </a:t>
+              </a:r>
+              <a:r>
+                <a:rPr lang="en-US" sz="2400" b="1" u="sng" dirty="0">
+                  <a:solidFill>
+                    <a:schemeClr val="accent3"/>
+                  </a:solidFill>
+                </a:rPr>
+                <a:t>“allow”</a:t>
+              </a:r>
+              <a:r>
+                <a:rPr lang="en-US" sz="2400" b="1" dirty="0"/>
+                <a:t> so that your child can see themselves on the screen!</a:t>
+              </a:r>
+              <a:br>
+                <a:rPr lang="en-US" sz="2400" b="1" dirty="0"/>
+              </a:br>
+              <a:br>
+                <a:rPr lang="en-US" sz="1200" b="1" dirty="0"/>
+              </a:br>
+              <a:r>
+                <a:rPr lang="en-US" sz="2400" b="1" dirty="0"/>
+                <a:t>(Your camera will turn off automatically once the study has concluded!)</a:t>
+              </a:r>
+            </a:p>
+          </p:txBody>
+        </p:sp>
+        <p:sp>
+          <p:nvSpPr>
+            <p:cNvPr id="13" name="Rounded Rectangle 12">
+              <a:extLst>
+                <a:ext uri="{FF2B5EF4-FFF2-40B4-BE49-F238E27FC236}">
+                  <a16:creationId xmlns:a16="http://schemas.microsoft.com/office/drawing/2014/main" id="{DC5D73E6-F724-1657-9D67-59CC6ACF97FE}"/>
+                </a:ext>
+              </a:extLst>
+            </p:cNvPr>
+            <p:cNvSpPr/>
+            <p:nvPr/>
+          </p:nvSpPr>
+          <p:spPr>
+            <a:xfrm>
+              <a:off x="6852745" y="3064500"/>
+              <a:ext cx="2238704" cy="273269"/>
+            </a:xfrm>
+            <a:prstGeom prst="roundRect">
+              <a:avLst/>
+            </a:prstGeom>
+            <a:noFill/>
+            <a:ln w="57150">
+              <a:solidFill>
+                <a:schemeClr val="accent3"/>
+              </a:solidFill>
+            </a:ln>
+          </p:spPr>
+          <p:style>
+            <a:lnRef idx="2">
+              <a:schemeClr val="accent1">
+                <a:shade val="15000"/>
+              </a:schemeClr>
+            </a:lnRef>
+            <a:fillRef idx="1">
+              <a:schemeClr val="accent1"/>
+            </a:fillRef>
+            <a:effectRef idx="0">
+              <a:schemeClr val="accent1"/>
+            </a:effectRef>
+            <a:fontRef idx="minor">
+              <a:schemeClr val="lt1"/>
+            </a:fontRef>
+          </p:style>
+          <p:txBody>
+            <a:bodyPr rtlCol="0" anchor="ctr"/>
+            <a:lstStyle/>
+            <a:p>
+              <a:pPr algn="ctr"/>
+              <a:endParaRPr lang="en-US"/>
+            </a:p>
+          </p:txBody>
+        </p:sp>
+        <p:sp>
+          <p:nvSpPr>
+            <p:cNvPr id="14" name="Rounded Rectangle 13">
+              <a:extLst>
+                <a:ext uri="{FF2B5EF4-FFF2-40B4-BE49-F238E27FC236}">
+                  <a16:creationId xmlns:a16="http://schemas.microsoft.com/office/drawing/2014/main" id="{E5CB6A28-FA97-2B31-27E8-17489A3277B1}"/>
+                </a:ext>
+              </a:extLst>
+            </p:cNvPr>
+            <p:cNvSpPr/>
+            <p:nvPr/>
+          </p:nvSpPr>
+          <p:spPr>
+            <a:xfrm>
+              <a:off x="5546782" y="3149484"/>
+              <a:ext cx="762000" cy="367863"/>
+            </a:xfrm>
+            <a:prstGeom prst="roundRect">
+              <a:avLst/>
+            </a:prstGeom>
+            <a:noFill/>
+            <a:ln w="57150">
+              <a:solidFill>
+                <a:schemeClr val="accent3"/>
+              </a:solidFill>
+            </a:ln>
+          </p:spPr>
+          <p:style>
+            <a:lnRef idx="2">
+              <a:schemeClr val="accent1">
+                <a:shade val="15000"/>
+              </a:schemeClr>
+            </a:lnRef>
+            <a:fillRef idx="1">
+              <a:schemeClr val="accent1"/>
+            </a:fillRef>
+            <a:effectRef idx="0">
+              <a:schemeClr val="accent1"/>
+            </a:effectRef>
+            <a:fontRef idx="minor">
+              <a:schemeClr val="lt1"/>
+            </a:fontRef>
+          </p:style>
+          <p:txBody>
+            <a:bodyPr rtlCol="0" anchor="ctr"/>
+            <a:lstStyle/>
+            <a:p>
+              <a:pPr algn="ctr"/>
+              <a:endParaRPr lang="en-US"/>
+            </a:p>
+          </p:txBody>
+        </p:sp>
+        <p:sp>
+          <p:nvSpPr>
+            <p:cNvPr id="15" name="Bent Arrow 14">
+              <a:extLst>
+                <a:ext uri="{FF2B5EF4-FFF2-40B4-BE49-F238E27FC236}">
+                  <a16:creationId xmlns:a16="http://schemas.microsoft.com/office/drawing/2014/main" id="{48ACA1B9-2B58-56E0-8C3D-1D8768314A70}"/>
+                </a:ext>
+              </a:extLst>
+            </p:cNvPr>
+            <p:cNvSpPr/>
+            <p:nvPr/>
+          </p:nvSpPr>
+          <p:spPr>
+            <a:xfrm>
+              <a:off x="1261241" y="3337768"/>
+              <a:ext cx="3975486" cy="1728217"/>
+            </a:xfrm>
+            <a:prstGeom prst="bentArrow">
+              <a:avLst>
+                <a:gd name="adj1" fmla="val 3025"/>
+                <a:gd name="adj2" fmla="val 8367"/>
+                <a:gd name="adj3" fmla="val 18985"/>
+                <a:gd name="adj4" fmla="val 42772"/>
+              </a:avLst>
+            </a:prstGeom>
+            <a:solidFill>
+              <a:schemeClr val="accent3"/>
+            </a:solidFill>
+            <a:ln>
+              <a:solidFill>
+                <a:schemeClr val="accent3"/>
+              </a:solidFill>
+            </a:ln>
+          </p:spPr>
+          <p:style>
+            <a:lnRef idx="2">
+              <a:schemeClr val="accent1">
+                <a:shade val="15000"/>
+              </a:schemeClr>
+            </a:lnRef>
+            <a:fillRef idx="1">
+              <a:schemeClr val="accent1"/>
+            </a:fillRef>
+            <a:effectRef idx="0">
+              <a:schemeClr val="accent1"/>
+            </a:effectRef>
+            <a:fontRef idx="minor">
+              <a:schemeClr val="lt1"/>
+            </a:fontRef>
+          </p:style>
+          <p:txBody>
+            <a:bodyPr rtlCol="0" anchor="ctr"/>
+            <a:lstStyle/>
+            <a:p>
+              <a:pPr algn="ctr"/>
+              <a:endParaRPr lang="en-US">
+                <a:solidFill>
+                  <a:schemeClr val="tx1"/>
+                </a:solidFill>
+              </a:endParaRPr>
+            </a:p>
+          </p:txBody>
+        </p:sp>
+      </p:grpSp>
+    </p:spTree>
+    <p:extLst>
+      <p:ext uri="{BB962C8B-B14F-4D97-AF65-F5344CB8AC3E}">
+        <p14:creationId xmlns:p14="http://schemas.microsoft.com/office/powerpoint/2010/main" val="2435486900"/>
+      </p:ext>
+    </p:extLst>
+  </p:cSld>
+  <p:clrMapOvr>
+    <a:masterClrMapping/>
+  </p:clrMapOvr>
+</p:sld>
+</file>
+
+<file path=ppt/slides/slide3.xml><?xml version="1.0" encoding="utf-8"?>
+<p:sld xmlns:a="http://schemas.openxmlformats.org/drawingml/2006/main" xmlns:r="http://schemas.openxmlformats.org/officeDocument/2006/relationships" xmlns:p="http://schemas.openxmlformats.org/presentationml/2006/main">
+  <p:cSld>
+    <p:spTree>
+      <p:nvGrpSpPr>
+        <p:cNvPr id="1" name=""/>
+        <p:cNvGrpSpPr/>
+        <p:nvPr/>
+      </p:nvGrpSpPr>
+      <p:grpSpPr>
+        <a:xfrm>
+          <a:off x="0" y="0"/>
+          <a:ext cx="0" cy="0"/>
+          <a:chOff x="0" y="0"/>
+          <a:chExt cx="0" cy="0"/>
+        </a:xfrm>
+      </p:grpSpPr>
+      <p:grpSp>
+        <p:nvGrpSpPr>
+          <p:cNvPr id="23" name="Group 22">
+            <a:extLst>
+              <a:ext uri="{FF2B5EF4-FFF2-40B4-BE49-F238E27FC236}">
+                <a16:creationId xmlns:a16="http://schemas.microsoft.com/office/drawing/2014/main" id="{89E3888F-FFF6-6F55-C766-2294B44A2799}"/>
+              </a:ext>
+            </a:extLst>
+          </p:cNvPr>
+          <p:cNvGrpSpPr/>
+          <p:nvPr/>
+        </p:nvGrpSpPr>
+        <p:grpSpPr>
+          <a:xfrm>
+            <a:off x="292489" y="341194"/>
+            <a:ext cx="11607021" cy="6175612"/>
+            <a:chOff x="80153" y="341194"/>
+            <a:chExt cx="11607021" cy="6175612"/>
+          </a:xfrm>
+        </p:grpSpPr>
+        <p:sp>
+          <p:nvSpPr>
+            <p:cNvPr id="4" name="TextBox 3">
+              <a:extLst>
+                <a:ext uri="{FF2B5EF4-FFF2-40B4-BE49-F238E27FC236}">
+                  <a16:creationId xmlns:a16="http://schemas.microsoft.com/office/drawing/2014/main" id="{192B7B74-448C-626E-0E61-6104F6AD41FE}"/>
+                </a:ext>
+              </a:extLst>
+            </p:cNvPr>
+            <p:cNvSpPr txBox="1"/>
+            <p:nvPr/>
+          </p:nvSpPr>
+          <p:spPr>
+            <a:xfrm>
+              <a:off x="504824" y="341194"/>
+              <a:ext cx="11182350" cy="2308324"/>
+            </a:xfrm>
+            <a:prstGeom prst="rect">
+              <a:avLst/>
+            </a:prstGeom>
+            <a:noFill/>
+          </p:spPr>
+          <p:txBody>
+            <a:bodyPr wrap="square" rtlCol="0">
+              <a:spAutoFit/>
+            </a:bodyPr>
+            <a:lstStyle/>
+            <a:p>
+              <a:pPr algn="ctr"/>
+              <a:r>
+                <a:rPr lang="en-US" sz="2400" b="1" dirty="0"/>
+                <a:t>Final Instructions</a:t>
+              </a:r>
+            </a:p>
+            <a:p>
+              <a:pPr algn="ctr"/>
+              <a:endParaRPr lang="en-US" sz="2400" b="1" dirty="0"/>
+            </a:p>
+            <a:p>
+              <a:pPr algn="ctr"/>
+              <a:r>
+                <a:rPr lang="en-US" sz="2400" dirty="0"/>
+                <a:t>On the </a:t>
+              </a:r>
+              <a:r>
+                <a:rPr lang="en-US" sz="2400" b="1" u="sng" dirty="0"/>
+                <a:t>next page</a:t>
+              </a:r>
+              <a:r>
+                <a:rPr lang="en-US" sz="2400" dirty="0"/>
+                <a:t>, you’ll be asked to </a:t>
+              </a:r>
+              <a:r>
+                <a:rPr lang="en-US" sz="2400" b="1" u="sng" dirty="0"/>
+                <a:t>approve the use of your camera!</a:t>
+              </a:r>
+              <a:br>
+                <a:rPr lang="en-US" sz="2400" dirty="0"/>
+              </a:br>
+              <a:br>
+                <a:rPr lang="en-US" sz="1200" b="1" dirty="0"/>
+              </a:br>
+              <a:r>
+                <a:rPr lang="en-US" sz="2400" b="1" u="sng" dirty="0"/>
+                <a:t>Please click </a:t>
+              </a:r>
+              <a:r>
+                <a:rPr lang="en-US" sz="2400" b="1" u="sng" dirty="0">
+                  <a:solidFill>
+                    <a:schemeClr val="accent3"/>
+                  </a:solidFill>
+                </a:rPr>
+                <a:t>“allow”</a:t>
+              </a:r>
+              <a:r>
+                <a:rPr lang="en-US" sz="2400" dirty="0"/>
+                <a:t> so that your child can see themselves on the screen!</a:t>
+              </a:r>
+              <a:br>
+                <a:rPr lang="en-US" sz="2400" dirty="0"/>
+              </a:br>
+              <a:br>
+                <a:rPr lang="en-US" sz="1200" b="1" dirty="0"/>
+              </a:br>
+              <a:r>
+                <a:rPr lang="en-US" sz="2400" dirty="0"/>
+                <a:t>(Your camera will turn off automatically once the study has concluded)</a:t>
+              </a:r>
+            </a:p>
+          </p:txBody>
+        </p:sp>
+        <p:sp>
+          <p:nvSpPr>
+            <p:cNvPr id="5" name="TextBox 4">
+              <a:extLst>
+                <a:ext uri="{FF2B5EF4-FFF2-40B4-BE49-F238E27FC236}">
+                  <a16:creationId xmlns:a16="http://schemas.microsoft.com/office/drawing/2014/main" id="{976618D9-0024-C1A2-4B08-6566B596C0E6}"/>
+                </a:ext>
+              </a:extLst>
+            </p:cNvPr>
+            <p:cNvSpPr txBox="1"/>
+            <p:nvPr/>
+          </p:nvSpPr>
+          <p:spPr>
+            <a:xfrm>
+              <a:off x="80153" y="1252862"/>
+              <a:ext cx="974785" cy="1200329"/>
+            </a:xfrm>
+            <a:prstGeom prst="rect">
+              <a:avLst/>
+            </a:prstGeom>
+            <a:noFill/>
+          </p:spPr>
+          <p:txBody>
+            <a:bodyPr wrap="square" rtlCol="0" anchor="ctr">
+              <a:spAutoFit/>
+            </a:bodyPr>
+            <a:lstStyle/>
+            <a:p>
+              <a:pPr algn="ctr"/>
+              <a:r>
+                <a:rPr lang="en-US" sz="7200" dirty="0"/>
+                <a:t>1</a:t>
+              </a:r>
+            </a:p>
+          </p:txBody>
+        </p:sp>
+        <p:sp>
+          <p:nvSpPr>
+            <p:cNvPr id="6" name="TextBox 5">
+              <a:extLst>
+                <a:ext uri="{FF2B5EF4-FFF2-40B4-BE49-F238E27FC236}">
+                  <a16:creationId xmlns:a16="http://schemas.microsoft.com/office/drawing/2014/main" id="{6B39E691-664D-8883-54E3-18651AA7E398}"/>
+                </a:ext>
+              </a:extLst>
+            </p:cNvPr>
+            <p:cNvSpPr txBox="1"/>
+            <p:nvPr/>
+          </p:nvSpPr>
+          <p:spPr>
+            <a:xfrm>
+              <a:off x="80153" y="4404810"/>
+              <a:ext cx="974785" cy="1200329"/>
+            </a:xfrm>
+            <a:prstGeom prst="rect">
+              <a:avLst/>
+            </a:prstGeom>
+            <a:noFill/>
+          </p:spPr>
+          <p:txBody>
+            <a:bodyPr wrap="square" rtlCol="0" anchor="ctr">
+              <a:spAutoFit/>
+            </a:bodyPr>
+            <a:lstStyle/>
+            <a:p>
+              <a:pPr algn="ctr"/>
+              <a:r>
+                <a:rPr lang="en-US" sz="7200" dirty="0"/>
+                <a:t>2</a:t>
+              </a:r>
+            </a:p>
+          </p:txBody>
+        </p:sp>
+        <p:sp>
+          <p:nvSpPr>
+            <p:cNvPr id="7" name="TextBox 6">
+              <a:extLst>
+                <a:ext uri="{FF2B5EF4-FFF2-40B4-BE49-F238E27FC236}">
+                  <a16:creationId xmlns:a16="http://schemas.microsoft.com/office/drawing/2014/main" id="{653E892E-DD88-FF70-6A5A-BB8E22022305}"/>
+                </a:ext>
+              </a:extLst>
+            </p:cNvPr>
+            <p:cNvSpPr txBox="1"/>
+            <p:nvPr/>
+          </p:nvSpPr>
+          <p:spPr>
+            <a:xfrm>
+              <a:off x="504824" y="4774143"/>
+              <a:ext cx="11182350" cy="461665"/>
+            </a:xfrm>
+            <a:prstGeom prst="rect">
+              <a:avLst/>
+            </a:prstGeom>
+            <a:noFill/>
+          </p:spPr>
+          <p:txBody>
+            <a:bodyPr wrap="square" rtlCol="0">
+              <a:spAutoFit/>
+            </a:bodyPr>
+            <a:lstStyle/>
+            <a:p>
+              <a:pPr algn="ctr"/>
+              <a:r>
+                <a:rPr lang="en-US" sz="2400" dirty="0"/>
+                <a:t>Once you’re ready, please </a:t>
+              </a:r>
+              <a:r>
+                <a:rPr lang="en-US" sz="2400" b="1" u="sng" dirty="0"/>
+                <a:t>click “continue”</a:t>
+              </a:r>
+              <a:r>
+                <a:rPr lang="en-US" sz="2400" dirty="0"/>
+                <a:t> and </a:t>
+              </a:r>
+              <a:r>
+                <a:rPr lang="en-US" sz="2400" b="1" u="sng" dirty="0"/>
+                <a:t>say “babies”</a:t>
+              </a:r>
+              <a:r>
+                <a:rPr lang="en-US" sz="2400" b="1" dirty="0"/>
+                <a:t> </a:t>
+              </a:r>
+              <a:r>
+                <a:rPr lang="en-US" sz="2400" dirty="0"/>
+                <a:t>out loud!</a:t>
+              </a:r>
+            </a:p>
+          </p:txBody>
+        </p:sp>
+        <p:grpSp>
+          <p:nvGrpSpPr>
+            <p:cNvPr id="13" name="Group 12">
+              <a:extLst>
+                <a:ext uri="{FF2B5EF4-FFF2-40B4-BE49-F238E27FC236}">
+                  <a16:creationId xmlns:a16="http://schemas.microsoft.com/office/drawing/2014/main" id="{51CBB806-2F1F-1E41-A398-E93D3BE72B08}"/>
+                </a:ext>
+              </a:extLst>
+            </p:cNvPr>
+            <p:cNvGrpSpPr>
+              <a:grpSpLocks noChangeAspect="1"/>
+            </p:cNvGrpSpPr>
+            <p:nvPr/>
+          </p:nvGrpSpPr>
+          <p:grpSpPr>
+            <a:xfrm>
+              <a:off x="4317998" y="2858135"/>
+              <a:ext cx="3556002" cy="1480208"/>
+              <a:chOff x="1986403" y="1817403"/>
+              <a:chExt cx="4519448" cy="1881248"/>
+            </a:xfrm>
+          </p:grpSpPr>
+          <p:pic>
+            <p:nvPicPr>
+              <p:cNvPr id="11" name="Picture 10" descr="A screenshot of a video chat&#10;&#10;AI-generated content may be incorrect.">
+                <a:extLst>
+                  <a:ext uri="{FF2B5EF4-FFF2-40B4-BE49-F238E27FC236}">
+                    <a16:creationId xmlns:a16="http://schemas.microsoft.com/office/drawing/2014/main" id="{BAD199FC-FED2-3FD5-56D9-207C8383E2CC}"/>
+                  </a:ext>
+                </a:extLst>
+              </p:cNvPr>
+              <p:cNvPicPr>
+                <a:picLocks noChangeAspect="1"/>
+              </p:cNvPicPr>
+              <p:nvPr/>
+            </p:nvPicPr>
+            <p:blipFill>
+              <a:blip r:embed="rId2"/>
+              <a:stretch>
+                <a:fillRect/>
+              </a:stretch>
+            </p:blipFill>
+            <p:spPr>
+              <a:xfrm>
+                <a:off x="1986403" y="1817403"/>
+                <a:ext cx="4519448" cy="1881248"/>
+              </a:xfrm>
+              <a:prstGeom prst="rect">
+                <a:avLst/>
+              </a:prstGeom>
+            </p:spPr>
+          </p:pic>
+          <p:sp>
+            <p:nvSpPr>
+              <p:cNvPr id="12" name="Oval 11">
+                <a:extLst>
+                  <a:ext uri="{FF2B5EF4-FFF2-40B4-BE49-F238E27FC236}">
+                    <a16:creationId xmlns:a16="http://schemas.microsoft.com/office/drawing/2014/main" id="{CFAB5CBF-E561-A309-0E28-3732B2E13F4C}"/>
+                  </a:ext>
+                </a:extLst>
+              </p:cNvPr>
+              <p:cNvSpPr/>
+              <p:nvPr/>
+            </p:nvSpPr>
+            <p:spPr>
+              <a:xfrm>
+                <a:off x="5404479" y="3037506"/>
+                <a:ext cx="1018362" cy="546985"/>
+              </a:xfrm>
+              <a:prstGeom prst="ellipse">
+                <a:avLst/>
+              </a:prstGeom>
+              <a:noFill/>
+              <a:ln w="76200">
+                <a:solidFill>
+                  <a:schemeClr val="accent3"/>
+                </a:solidFill>
+              </a:ln>
+            </p:spPr>
+            <p:style>
+              <a:lnRef idx="2">
+                <a:schemeClr val="accent1">
+                  <a:shade val="15000"/>
+                </a:schemeClr>
+              </a:lnRef>
+              <a:fillRef idx="1">
+                <a:schemeClr val="accent1"/>
+              </a:fillRef>
+              <a:effectRef idx="0">
+                <a:schemeClr val="accent1"/>
+              </a:effectRef>
+              <a:fontRef idx="minor">
+                <a:schemeClr val="lt1"/>
+              </a:fontRef>
+            </p:style>
+            <p:txBody>
+              <a:bodyPr rtlCol="0" anchor="ctr"/>
+              <a:lstStyle/>
+              <a:p>
+                <a:pPr algn="ctr"/>
+                <a:endParaRPr lang="en-US"/>
+              </a:p>
+            </p:txBody>
+          </p:sp>
+        </p:grpSp>
+        <p:sp>
+          <p:nvSpPr>
+            <p:cNvPr id="18" name="TextBox 17">
+              <a:extLst>
+                <a:ext uri="{FF2B5EF4-FFF2-40B4-BE49-F238E27FC236}">
+                  <a16:creationId xmlns:a16="http://schemas.microsoft.com/office/drawing/2014/main" id="{B7946D2F-FEF5-A54E-4944-52F16D951718}"/>
+                </a:ext>
+              </a:extLst>
+            </p:cNvPr>
+            <p:cNvSpPr txBox="1"/>
+            <p:nvPr/>
+          </p:nvSpPr>
+          <p:spPr>
+            <a:xfrm>
+              <a:off x="2990490" y="5870475"/>
+              <a:ext cx="6211018" cy="646331"/>
+            </a:xfrm>
+            <a:prstGeom prst="rect">
+              <a:avLst/>
+            </a:prstGeom>
+            <a:noFill/>
+          </p:spPr>
+          <p:txBody>
+            <a:bodyPr wrap="square">
+              <a:spAutoFit/>
+            </a:bodyPr>
+            <a:lstStyle/>
+            <a:p>
+              <a:pPr algn="ctr"/>
+              <a:r>
+                <a:rPr lang="en-US" dirty="0">
+                  <a:solidFill>
+                    <a:srgbClr val="7030A0"/>
+                  </a:solidFill>
+                </a:rPr>
+                <a:t>During the experiment, you can press the 'E' key to exit early! You will be asked to confirm your choice before exiting.</a:t>
+              </a:r>
+            </a:p>
+          </p:txBody>
+        </p:sp>
+        <p:pic>
+          <p:nvPicPr>
+            <p:cNvPr id="22" name="Graphic 21" descr="Checkmark with solid fill">
+              <a:extLst>
+                <a:ext uri="{FF2B5EF4-FFF2-40B4-BE49-F238E27FC236}">
+                  <a16:creationId xmlns:a16="http://schemas.microsoft.com/office/drawing/2014/main" id="{91BC8EC9-C902-C884-D238-5745572A0B39}"/>
+                </a:ext>
+              </a:extLst>
+            </p:cNvPr>
+            <p:cNvPicPr>
+              <a:picLocks noChangeAspect="1"/>
+            </p:cNvPicPr>
+            <p:nvPr/>
+          </p:nvPicPr>
+          <p:blipFill>
+            <a:blip r:embed="rId3">
+              <a:extLst>
+                <a:ext uri="{96DAC541-7B7A-43D3-8B79-37D633B846F1}">
+                  <asvg:svgBlip xmlns:asvg="http://schemas.microsoft.com/office/drawing/2016/SVG/main" r:embed="rId4"/>
+                </a:ext>
+              </a:extLst>
+            </a:blip>
+            <a:stretch>
+              <a:fillRect/>
+            </a:stretch>
+          </p:blipFill>
+          <p:spPr>
+            <a:xfrm>
+              <a:off x="7449457" y="3968786"/>
+              <a:ext cx="914400" cy="914400"/>
+            </a:xfrm>
+            <a:prstGeom prst="rect">
+              <a:avLst/>
+            </a:prstGeom>
+          </p:spPr>
+        </p:pic>
+      </p:grpSp>
+    </p:spTree>
+    <p:extLst>
+      <p:ext uri="{BB962C8B-B14F-4D97-AF65-F5344CB8AC3E}">
+        <p14:creationId xmlns:p14="http://schemas.microsoft.com/office/powerpoint/2010/main" val="2207292440"/>
+      </p:ext>
+    </p:extLst>
+  </p:cSld>
+  <p:clrMapOvr>
+    <a:masterClrMapping/>
+  </p:clrMapOvr>
+</p:sld>
+</file>
+
 <file path=ppt/tags/tag1.xml><?xml version="1.0" encoding="utf-8"?>
 <p:tagLst xmlns:a="http://schemas.openxmlformats.org/drawingml/2006/main" xmlns:r="http://schemas.openxmlformats.org/officeDocument/2006/relationships" xmlns:p="http://schemas.openxmlformats.org/presentationml/2006/main">
   <p:tag name="TIMING" val="|6.2|5.5|6.5|1.4|3.8|2.1|7.3|13.3|8.2"/>
